--- a/diagrams-in-ppt/Search-and-Reuse.pptx
+++ b/diagrams-in-ppt/Search-and-Reuse.pptx
@@ -6,6 +6,7 @@
   </p:sldMasterIdLst>
   <p:sldIdLst>
     <p:sldId id="256" r:id="rId2"/>
+    <p:sldId id="257" r:id="rId3"/>
   </p:sldIdLst>
   <p:sldSz cx="12192000" cy="6858000"/>
   <p:notesSz cx="6858000" cy="9144000"/>
@@ -3387,6 +3388,1035 @@
 </p:sld>
 </file>
 
+<file path=ppt/slides/slide2.xml><?xml version="1.0" encoding="utf-8"?>
+<p:sld xmlns:a="http://schemas.openxmlformats.org/drawingml/2006/main" xmlns:r="http://schemas.openxmlformats.org/officeDocument/2006/relationships" xmlns:p="http://schemas.openxmlformats.org/presentationml/2006/main">
+  <p:cSld>
+    <p:spTree>
+      <p:nvGrpSpPr>
+        <p:cNvPr id="1" name=""/>
+        <p:cNvGrpSpPr/>
+        <p:nvPr/>
+      </p:nvGrpSpPr>
+      <p:grpSpPr>
+        <a:xfrm>
+          <a:off x="0" y="0"/>
+          <a:ext cx="0" cy="0"/>
+          <a:chOff x="0" y="0"/>
+          <a:chExt cx="0" cy="0"/>
+        </a:xfrm>
+      </p:grpSpPr>
+      <p:sp>
+        <p:nvSpPr>
+          <p:cNvPr id="2" name="Title 1">
+            <a:extLst>
+              <a:ext uri="{FF2B5EF4-FFF2-40B4-BE49-F238E27FC236}">
+                <a16:creationId xmlns:a16="http://schemas.microsoft.com/office/drawing/2014/main" id="{30228B38-D317-6723-9EC1-3412E92CD660}"/>
+              </a:ext>
+            </a:extLst>
+          </p:cNvPr>
+          <p:cNvSpPr>
+            <a:spLocks noGrp="1"/>
+          </p:cNvSpPr>
+          <p:nvPr>
+            <p:ph type="title"/>
+          </p:nvPr>
+        </p:nvSpPr>
+        <p:spPr>
+          <a:xfrm>
+            <a:off x="341244" y="225978"/>
+            <a:ext cx="10515600" cy="539336"/>
+          </a:xfrm>
+        </p:spPr>
+        <p:txBody>
+          <a:bodyPr>
+            <a:normAutofit fontScale="90000"/>
+          </a:bodyPr>
+          <a:lstStyle/>
+          <a:p>
+            <a:r>
+              <a:rPr lang="en-US" dirty="0"/>
+              <a:t>Search and Reuse</a:t>
+            </a:r>
+          </a:p>
+        </p:txBody>
+      </p:sp>
+      <p:sp>
+        <p:nvSpPr>
+          <p:cNvPr id="4" name="Oval 3">
+            <a:extLst>
+              <a:ext uri="{FF2B5EF4-FFF2-40B4-BE49-F238E27FC236}">
+                <a16:creationId xmlns:a16="http://schemas.microsoft.com/office/drawing/2014/main" id="{49D6460F-E02D-AC63-5802-F7C758795871}"/>
+              </a:ext>
+            </a:extLst>
+          </p:cNvPr>
+          <p:cNvSpPr/>
+          <p:nvPr/>
+        </p:nvSpPr>
+        <p:spPr>
+          <a:xfrm>
+            <a:off x="5204521" y="3123510"/>
+            <a:ext cx="1520687" cy="695739"/>
+          </a:xfrm>
+          <a:prstGeom prst="ellipse">
+            <a:avLst/>
+          </a:prstGeom>
+        </p:spPr>
+        <p:style>
+          <a:lnRef idx="2">
+            <a:schemeClr val="accent1">
+              <a:shade val="50000"/>
+            </a:schemeClr>
+          </a:lnRef>
+          <a:fillRef idx="1">
+            <a:schemeClr val="accent1"/>
+          </a:fillRef>
+          <a:effectRef idx="0">
+            <a:schemeClr val="accent1"/>
+          </a:effectRef>
+          <a:fontRef idx="minor">
+            <a:schemeClr val="lt1"/>
+          </a:fontRef>
+        </p:style>
+        <p:txBody>
+          <a:bodyPr rtlCol="0" anchor="ctr"/>
+          <a:lstStyle/>
+          <a:p>
+            <a:pPr algn="ctr"/>
+            <a:r>
+              <a:rPr lang="en-US" dirty="0"/>
+              <a:t>Reusable</a:t>
+            </a:r>
+          </a:p>
+          <a:p>
+            <a:pPr algn="ctr"/>
+            <a:r>
+              <a:rPr lang="en-US" dirty="0"/>
+              <a:t>Code</a:t>
+            </a:r>
+          </a:p>
+        </p:txBody>
+      </p:sp>
+      <p:sp>
+        <p:nvSpPr>
+          <p:cNvPr id="5" name="Cross 4">
+            <a:extLst>
+              <a:ext uri="{FF2B5EF4-FFF2-40B4-BE49-F238E27FC236}">
+                <a16:creationId xmlns:a16="http://schemas.microsoft.com/office/drawing/2014/main" id="{CBF1D2F3-D543-0DE0-73EA-3803793E02B2}"/>
+              </a:ext>
+            </a:extLst>
+          </p:cNvPr>
+          <p:cNvSpPr/>
+          <p:nvPr/>
+        </p:nvSpPr>
+        <p:spPr>
+          <a:xfrm>
+            <a:off x="5696509" y="2139536"/>
+            <a:ext cx="536713" cy="526774"/>
+          </a:xfrm>
+          <a:prstGeom prst="plus">
+            <a:avLst>
+              <a:gd name="adj" fmla="val 41981"/>
+            </a:avLst>
+          </a:prstGeom>
+          <a:solidFill>
+            <a:srgbClr val="00B050"/>
+          </a:solidFill>
+        </p:spPr>
+        <p:style>
+          <a:lnRef idx="2">
+            <a:schemeClr val="accent1">
+              <a:shade val="50000"/>
+            </a:schemeClr>
+          </a:lnRef>
+          <a:fillRef idx="1">
+            <a:schemeClr val="accent1"/>
+          </a:fillRef>
+          <a:effectRef idx="0">
+            <a:schemeClr val="accent1"/>
+          </a:effectRef>
+          <a:fontRef idx="minor">
+            <a:schemeClr val="lt1"/>
+          </a:fontRef>
+        </p:style>
+        <p:txBody>
+          <a:bodyPr rtlCol="0" anchor="ctr"/>
+          <a:lstStyle/>
+          <a:p>
+            <a:pPr algn="ctr"/>
+            <a:endParaRPr lang="en-US"/>
+          </a:p>
+        </p:txBody>
+      </p:sp>
+      <p:sp>
+        <p:nvSpPr>
+          <p:cNvPr id="6" name="Rectangle 5">
+            <a:extLst>
+              <a:ext uri="{FF2B5EF4-FFF2-40B4-BE49-F238E27FC236}">
+                <a16:creationId xmlns:a16="http://schemas.microsoft.com/office/drawing/2014/main" id="{6EB8AD46-463D-0974-031C-2A4249165503}"/>
+              </a:ext>
+            </a:extLst>
+          </p:cNvPr>
+          <p:cNvSpPr/>
+          <p:nvPr/>
+        </p:nvSpPr>
+        <p:spPr>
+          <a:xfrm>
+            <a:off x="5696509" y="4472746"/>
+            <a:ext cx="536713" cy="79513"/>
+          </a:xfrm>
+          <a:prstGeom prst="rect">
+            <a:avLst/>
+          </a:prstGeom>
+          <a:solidFill>
+            <a:srgbClr val="FF0000"/>
+          </a:solidFill>
+        </p:spPr>
+        <p:style>
+          <a:lnRef idx="2">
+            <a:schemeClr val="accent1">
+              <a:shade val="50000"/>
+            </a:schemeClr>
+          </a:lnRef>
+          <a:fillRef idx="1">
+            <a:schemeClr val="accent1"/>
+          </a:fillRef>
+          <a:effectRef idx="0">
+            <a:schemeClr val="accent1"/>
+          </a:effectRef>
+          <a:fontRef idx="minor">
+            <a:schemeClr val="lt1"/>
+          </a:fontRef>
+        </p:style>
+        <p:txBody>
+          <a:bodyPr rtlCol="0" anchor="ctr"/>
+          <a:lstStyle/>
+          <a:p>
+            <a:pPr algn="ctr"/>
+            <a:endParaRPr lang="en-US"/>
+          </a:p>
+        </p:txBody>
+      </p:sp>
+      <p:sp>
+        <p:nvSpPr>
+          <p:cNvPr id="7" name="Oval 6">
+            <a:extLst>
+              <a:ext uri="{FF2B5EF4-FFF2-40B4-BE49-F238E27FC236}">
+                <a16:creationId xmlns:a16="http://schemas.microsoft.com/office/drawing/2014/main" id="{44B1FFD2-C7A9-1826-B032-83FF5BCE6933}"/>
+              </a:ext>
+            </a:extLst>
+          </p:cNvPr>
+          <p:cNvSpPr/>
+          <p:nvPr/>
+        </p:nvSpPr>
+        <p:spPr>
+          <a:xfrm>
+            <a:off x="7700232" y="1970571"/>
+            <a:ext cx="1275522" cy="695739"/>
+          </a:xfrm>
+          <a:prstGeom prst="ellipse">
+            <a:avLst/>
+          </a:prstGeom>
+        </p:spPr>
+        <p:style>
+          <a:lnRef idx="2">
+            <a:schemeClr val="accent1">
+              <a:shade val="50000"/>
+            </a:schemeClr>
+          </a:lnRef>
+          <a:fillRef idx="1">
+            <a:schemeClr val="accent1"/>
+          </a:fillRef>
+          <a:effectRef idx="0">
+            <a:schemeClr val="accent1"/>
+          </a:effectRef>
+          <a:fontRef idx="minor">
+            <a:schemeClr val="lt1"/>
+          </a:fontRef>
+        </p:style>
+        <p:txBody>
+          <a:bodyPr rtlCol="0" anchor="ctr"/>
+          <a:lstStyle/>
+          <a:p>
+            <a:pPr algn="ctr"/>
+            <a:r>
+              <a:rPr lang="en-US" dirty="0"/>
+              <a:t>Search</a:t>
+            </a:r>
+          </a:p>
+        </p:txBody>
+      </p:sp>
+      <p:sp>
+        <p:nvSpPr>
+          <p:cNvPr id="8" name="Oval 7">
+            <a:extLst>
+              <a:ext uri="{FF2B5EF4-FFF2-40B4-BE49-F238E27FC236}">
+                <a16:creationId xmlns:a16="http://schemas.microsoft.com/office/drawing/2014/main" id="{7F2A0A73-F587-830D-EFF8-266276B68E36}"/>
+              </a:ext>
+            </a:extLst>
+          </p:cNvPr>
+          <p:cNvSpPr/>
+          <p:nvPr/>
+        </p:nvSpPr>
+        <p:spPr>
+          <a:xfrm>
+            <a:off x="5327103" y="1041263"/>
+            <a:ext cx="1275522" cy="695739"/>
+          </a:xfrm>
+          <a:prstGeom prst="ellipse">
+            <a:avLst/>
+          </a:prstGeom>
+        </p:spPr>
+        <p:style>
+          <a:lnRef idx="2">
+            <a:schemeClr val="accent1">
+              <a:shade val="50000"/>
+            </a:schemeClr>
+          </a:lnRef>
+          <a:fillRef idx="1">
+            <a:schemeClr val="accent1"/>
+          </a:fillRef>
+          <a:effectRef idx="0">
+            <a:schemeClr val="accent1"/>
+          </a:effectRef>
+          <a:fontRef idx="minor">
+            <a:schemeClr val="lt1"/>
+          </a:fontRef>
+        </p:style>
+        <p:txBody>
+          <a:bodyPr rtlCol="0" anchor="ctr"/>
+          <a:lstStyle/>
+          <a:p>
+            <a:pPr algn="ctr"/>
+            <a:r>
+              <a:rPr lang="en-US" dirty="0"/>
+              <a:t>Find</a:t>
+            </a:r>
+          </a:p>
+        </p:txBody>
+      </p:sp>
+      <p:sp>
+        <p:nvSpPr>
+          <p:cNvPr id="9" name="Oval 8">
+            <a:extLst>
+              <a:ext uri="{FF2B5EF4-FFF2-40B4-BE49-F238E27FC236}">
+                <a16:creationId xmlns:a16="http://schemas.microsoft.com/office/drawing/2014/main" id="{68981F72-24B9-E25B-D1BA-81893D3117D0}"/>
+              </a:ext>
+            </a:extLst>
+          </p:cNvPr>
+          <p:cNvSpPr/>
+          <p:nvPr/>
+        </p:nvSpPr>
+        <p:spPr>
+          <a:xfrm>
+            <a:off x="2805871" y="2079904"/>
+            <a:ext cx="1741415" cy="695739"/>
+          </a:xfrm>
+          <a:prstGeom prst="ellipse">
+            <a:avLst/>
+          </a:prstGeom>
+        </p:spPr>
+        <p:style>
+          <a:lnRef idx="2">
+            <a:schemeClr val="accent1">
+              <a:shade val="50000"/>
+            </a:schemeClr>
+          </a:lnRef>
+          <a:fillRef idx="1">
+            <a:schemeClr val="accent1"/>
+          </a:fillRef>
+          <a:effectRef idx="0">
+            <a:schemeClr val="accent1"/>
+          </a:effectRef>
+          <a:fontRef idx="minor">
+            <a:schemeClr val="lt1"/>
+          </a:fontRef>
+        </p:style>
+        <p:txBody>
+          <a:bodyPr wrap="none" rtlCol="0" anchor="ctr"/>
+          <a:lstStyle/>
+          <a:p>
+            <a:pPr algn="ctr"/>
+            <a:r>
+              <a:rPr lang="en-US" dirty="0"/>
+              <a:t>Engagement</a:t>
+            </a:r>
+          </a:p>
+        </p:txBody>
+      </p:sp>
+      <p:sp>
+        <p:nvSpPr>
+          <p:cNvPr id="10" name="Oval 9">
+            <a:extLst>
+              <a:ext uri="{FF2B5EF4-FFF2-40B4-BE49-F238E27FC236}">
+                <a16:creationId xmlns:a16="http://schemas.microsoft.com/office/drawing/2014/main" id="{19D923BF-C293-B374-16A6-9A498D797CB6}"/>
+              </a:ext>
+            </a:extLst>
+          </p:cNvPr>
+          <p:cNvSpPr/>
+          <p:nvPr/>
+        </p:nvSpPr>
+        <p:spPr>
+          <a:xfrm>
+            <a:off x="7768459" y="4236690"/>
+            <a:ext cx="1275522" cy="695739"/>
+          </a:xfrm>
+          <a:prstGeom prst="ellipse">
+            <a:avLst/>
+          </a:prstGeom>
+        </p:spPr>
+        <p:style>
+          <a:lnRef idx="2">
+            <a:schemeClr val="accent1">
+              <a:shade val="50000"/>
+            </a:schemeClr>
+          </a:lnRef>
+          <a:fillRef idx="1">
+            <a:schemeClr val="accent1"/>
+          </a:fillRef>
+          <a:effectRef idx="0">
+            <a:schemeClr val="accent1"/>
+          </a:effectRef>
+          <a:fontRef idx="minor">
+            <a:schemeClr val="lt1"/>
+          </a:fontRef>
+        </p:style>
+        <p:txBody>
+          <a:bodyPr rtlCol="0" anchor="ctr"/>
+          <a:lstStyle/>
+          <a:p>
+            <a:pPr algn="ctr"/>
+            <a:r>
+              <a:rPr lang="en-US" dirty="0"/>
+              <a:t>Hidden</a:t>
+            </a:r>
+          </a:p>
+        </p:txBody>
+      </p:sp>
+      <p:cxnSp>
+        <p:nvCxnSpPr>
+          <p:cNvPr id="12" name="Curved Connector 11">
+            <a:extLst>
+              <a:ext uri="{FF2B5EF4-FFF2-40B4-BE49-F238E27FC236}">
+                <a16:creationId xmlns:a16="http://schemas.microsoft.com/office/drawing/2014/main" id="{F20FC6BA-4B05-4189-8F47-2DB23912CE9D}"/>
+              </a:ext>
+            </a:extLst>
+          </p:cNvPr>
+          <p:cNvCxnSpPr>
+            <a:stCxn id="4" idx="6"/>
+            <a:endCxn id="7" idx="4"/>
+          </p:cNvCxnSpPr>
+          <p:nvPr/>
+        </p:nvCxnSpPr>
+        <p:spPr>
+          <a:xfrm flipV="1">
+            <a:off x="6725208" y="2666310"/>
+            <a:ext cx="1612785" cy="805070"/>
+          </a:xfrm>
+          <a:prstGeom prst="curvedConnector2">
+            <a:avLst/>
+          </a:prstGeom>
+          <a:ln w="38100">
+            <a:solidFill>
+              <a:schemeClr val="tx1"/>
+            </a:solidFill>
+            <a:tailEnd type="triangle"/>
+          </a:ln>
+        </p:spPr>
+        <p:style>
+          <a:lnRef idx="1">
+            <a:schemeClr val="accent1"/>
+          </a:lnRef>
+          <a:fillRef idx="0">
+            <a:schemeClr val="accent1"/>
+          </a:fillRef>
+          <a:effectRef idx="0">
+            <a:schemeClr val="accent1"/>
+          </a:effectRef>
+          <a:fontRef idx="minor">
+            <a:schemeClr val="tx1"/>
+          </a:fontRef>
+        </p:style>
+      </p:cxnSp>
+      <p:cxnSp>
+        <p:nvCxnSpPr>
+          <p:cNvPr id="13" name="Curved Connector 12">
+            <a:extLst>
+              <a:ext uri="{FF2B5EF4-FFF2-40B4-BE49-F238E27FC236}">
+                <a16:creationId xmlns:a16="http://schemas.microsoft.com/office/drawing/2014/main" id="{A89B5DF5-1947-3EF5-F907-414B30461C9D}"/>
+              </a:ext>
+            </a:extLst>
+          </p:cNvPr>
+          <p:cNvCxnSpPr>
+            <a:cxnSpLocks/>
+            <a:stCxn id="7" idx="0"/>
+            <a:endCxn id="8" idx="6"/>
+          </p:cNvCxnSpPr>
+          <p:nvPr/>
+        </p:nvCxnSpPr>
+        <p:spPr>
+          <a:xfrm rot="16200000" flipV="1">
+            <a:off x="7179590" y="812168"/>
+            <a:ext cx="581438" cy="1735368"/>
+          </a:xfrm>
+          <a:prstGeom prst="curvedConnector2">
+            <a:avLst/>
+          </a:prstGeom>
+          <a:ln w="38100">
+            <a:solidFill>
+              <a:schemeClr val="tx1"/>
+            </a:solidFill>
+            <a:tailEnd type="triangle"/>
+          </a:ln>
+        </p:spPr>
+        <p:style>
+          <a:lnRef idx="1">
+            <a:schemeClr val="accent1"/>
+          </a:lnRef>
+          <a:fillRef idx="0">
+            <a:schemeClr val="accent1"/>
+          </a:fillRef>
+          <a:effectRef idx="0">
+            <a:schemeClr val="accent1"/>
+          </a:effectRef>
+          <a:fontRef idx="minor">
+            <a:schemeClr val="tx1"/>
+          </a:fontRef>
+        </p:style>
+      </p:cxnSp>
+      <p:cxnSp>
+        <p:nvCxnSpPr>
+          <p:cNvPr id="16" name="Curved Connector 15">
+            <a:extLst>
+              <a:ext uri="{FF2B5EF4-FFF2-40B4-BE49-F238E27FC236}">
+                <a16:creationId xmlns:a16="http://schemas.microsoft.com/office/drawing/2014/main" id="{BCD19D89-D4DA-7535-E82A-7C047CFAFF30}"/>
+              </a:ext>
+            </a:extLst>
+          </p:cNvPr>
+          <p:cNvCxnSpPr>
+            <a:cxnSpLocks/>
+            <a:stCxn id="8" idx="2"/>
+            <a:endCxn id="9" idx="0"/>
+          </p:cNvCxnSpPr>
+          <p:nvPr/>
+        </p:nvCxnSpPr>
+        <p:spPr>
+          <a:xfrm rot="10800000" flipV="1">
+            <a:off x="3676579" y="1389132"/>
+            <a:ext cx="1650524" cy="690771"/>
+          </a:xfrm>
+          <a:prstGeom prst="curvedConnector2">
+            <a:avLst/>
+          </a:prstGeom>
+          <a:ln w="38100">
+            <a:solidFill>
+              <a:schemeClr val="tx1"/>
+            </a:solidFill>
+            <a:tailEnd type="triangle"/>
+          </a:ln>
+        </p:spPr>
+        <p:style>
+          <a:lnRef idx="1">
+            <a:schemeClr val="accent1"/>
+          </a:lnRef>
+          <a:fillRef idx="0">
+            <a:schemeClr val="accent1"/>
+          </a:fillRef>
+          <a:effectRef idx="0">
+            <a:schemeClr val="accent1"/>
+          </a:effectRef>
+          <a:fontRef idx="minor">
+            <a:schemeClr val="tx1"/>
+          </a:fontRef>
+        </p:style>
+      </p:cxnSp>
+      <p:cxnSp>
+        <p:nvCxnSpPr>
+          <p:cNvPr id="21" name="Curved Connector 20">
+            <a:extLst>
+              <a:ext uri="{FF2B5EF4-FFF2-40B4-BE49-F238E27FC236}">
+                <a16:creationId xmlns:a16="http://schemas.microsoft.com/office/drawing/2014/main" id="{C9AF4845-2311-8E6E-C4CC-D54D74710386}"/>
+              </a:ext>
+            </a:extLst>
+          </p:cNvPr>
+          <p:cNvCxnSpPr>
+            <a:cxnSpLocks/>
+            <a:stCxn id="9" idx="4"/>
+            <a:endCxn id="4" idx="2"/>
+          </p:cNvCxnSpPr>
+          <p:nvPr/>
+        </p:nvCxnSpPr>
+        <p:spPr>
+          <a:xfrm rot="16200000" flipH="1">
+            <a:off x="4092682" y="2359540"/>
+            <a:ext cx="695737" cy="1527942"/>
+          </a:xfrm>
+          <a:prstGeom prst="curvedConnector2">
+            <a:avLst/>
+          </a:prstGeom>
+          <a:ln w="38100">
+            <a:solidFill>
+              <a:schemeClr val="tx1"/>
+            </a:solidFill>
+            <a:tailEnd type="triangle"/>
+          </a:ln>
+        </p:spPr>
+        <p:style>
+          <a:lnRef idx="1">
+            <a:schemeClr val="accent1"/>
+          </a:lnRef>
+          <a:fillRef idx="0">
+            <a:schemeClr val="accent1"/>
+          </a:fillRef>
+          <a:effectRef idx="0">
+            <a:schemeClr val="accent1"/>
+          </a:effectRef>
+          <a:fontRef idx="minor">
+            <a:schemeClr val="tx1"/>
+          </a:fontRef>
+        </p:style>
+      </p:cxnSp>
+      <p:cxnSp>
+        <p:nvCxnSpPr>
+          <p:cNvPr id="24" name="Curved Connector 23">
+            <a:extLst>
+              <a:ext uri="{FF2B5EF4-FFF2-40B4-BE49-F238E27FC236}">
+                <a16:creationId xmlns:a16="http://schemas.microsoft.com/office/drawing/2014/main" id="{D5ACB18A-EACC-9133-A645-5235978047A0}"/>
+              </a:ext>
+            </a:extLst>
+          </p:cNvPr>
+          <p:cNvCxnSpPr>
+            <a:cxnSpLocks/>
+            <a:stCxn id="4" idx="6"/>
+            <a:endCxn id="10" idx="0"/>
+          </p:cNvCxnSpPr>
+          <p:nvPr/>
+        </p:nvCxnSpPr>
+        <p:spPr>
+          <a:xfrm>
+            <a:off x="6725208" y="3471380"/>
+            <a:ext cx="1681012" cy="765310"/>
+          </a:xfrm>
+          <a:prstGeom prst="curvedConnector2">
+            <a:avLst/>
+          </a:prstGeom>
+          <a:ln w="38100">
+            <a:solidFill>
+              <a:schemeClr val="tx1"/>
+            </a:solidFill>
+            <a:tailEnd type="triangle"/>
+          </a:ln>
+        </p:spPr>
+        <p:style>
+          <a:lnRef idx="1">
+            <a:schemeClr val="accent1"/>
+          </a:lnRef>
+          <a:fillRef idx="0">
+            <a:schemeClr val="accent1"/>
+          </a:fillRef>
+          <a:effectRef idx="0">
+            <a:schemeClr val="accent1"/>
+          </a:effectRef>
+          <a:fontRef idx="minor">
+            <a:schemeClr val="tx1"/>
+          </a:fontRef>
+        </p:style>
+      </p:cxnSp>
+      <p:sp>
+        <p:nvSpPr>
+          <p:cNvPr id="27" name="Oval 26">
+            <a:extLst>
+              <a:ext uri="{FF2B5EF4-FFF2-40B4-BE49-F238E27FC236}">
+                <a16:creationId xmlns:a16="http://schemas.microsoft.com/office/drawing/2014/main" id="{F71E611D-3D2D-F0E3-499C-D46063BE711C}"/>
+              </a:ext>
+            </a:extLst>
+          </p:cNvPr>
+          <p:cNvSpPr/>
+          <p:nvPr/>
+        </p:nvSpPr>
+        <p:spPr>
+          <a:xfrm>
+            <a:off x="5327104" y="5205757"/>
+            <a:ext cx="1275522" cy="695739"/>
+          </a:xfrm>
+          <a:prstGeom prst="ellipse">
+            <a:avLst/>
+          </a:prstGeom>
+        </p:spPr>
+        <p:style>
+          <a:lnRef idx="2">
+            <a:schemeClr val="accent1">
+              <a:shade val="50000"/>
+            </a:schemeClr>
+          </a:lnRef>
+          <a:fillRef idx="1">
+            <a:schemeClr val="accent1"/>
+          </a:fillRef>
+          <a:effectRef idx="0">
+            <a:schemeClr val="accent1"/>
+          </a:effectRef>
+          <a:fontRef idx="minor">
+            <a:schemeClr val="lt1"/>
+          </a:fontRef>
+        </p:style>
+        <p:txBody>
+          <a:bodyPr rtlCol="0" anchor="ctr"/>
+          <a:lstStyle/>
+          <a:p>
+            <a:pPr algn="ctr"/>
+            <a:r>
+              <a:rPr lang="en-US" dirty="0"/>
+              <a:t>No Reuse</a:t>
+            </a:r>
+          </a:p>
+        </p:txBody>
+      </p:sp>
+      <p:sp>
+        <p:nvSpPr>
+          <p:cNvPr id="28" name="Oval 27">
+            <a:extLst>
+              <a:ext uri="{FF2B5EF4-FFF2-40B4-BE49-F238E27FC236}">
+                <a16:creationId xmlns:a16="http://schemas.microsoft.com/office/drawing/2014/main" id="{64F37676-044E-4136-D9CF-EA1F3D95C86C}"/>
+              </a:ext>
+            </a:extLst>
+          </p:cNvPr>
+          <p:cNvSpPr/>
+          <p:nvPr/>
+        </p:nvSpPr>
+        <p:spPr>
+          <a:xfrm>
+            <a:off x="2989527" y="4046774"/>
+            <a:ext cx="1611800" cy="885655"/>
+          </a:xfrm>
+          <a:prstGeom prst="ellipse">
+            <a:avLst/>
+          </a:prstGeom>
+        </p:spPr>
+        <p:style>
+          <a:lnRef idx="2">
+            <a:schemeClr val="accent1">
+              <a:shade val="50000"/>
+            </a:schemeClr>
+          </a:lnRef>
+          <a:fillRef idx="1">
+            <a:schemeClr val="accent1"/>
+          </a:fillRef>
+          <a:effectRef idx="0">
+            <a:schemeClr val="accent1"/>
+          </a:effectRef>
+          <a:fontRef idx="minor">
+            <a:schemeClr val="lt1"/>
+          </a:fontRef>
+        </p:style>
+        <p:txBody>
+          <a:bodyPr wrap="none" rtlCol="0" anchor="ctr"/>
+          <a:lstStyle/>
+          <a:p>
+            <a:pPr algn="ctr"/>
+            <a:r>
+              <a:rPr lang="en-US" dirty="0"/>
+              <a:t>No</a:t>
+            </a:r>
+            <a:br>
+              <a:rPr lang="en-US" dirty="0"/>
+            </a:br>
+            <a:r>
+              <a:rPr lang="en-US" dirty="0"/>
+              <a:t>Improvement</a:t>
+            </a:r>
+          </a:p>
+        </p:txBody>
+      </p:sp>
+      <p:cxnSp>
+        <p:nvCxnSpPr>
+          <p:cNvPr id="29" name="Curved Connector 28">
+            <a:extLst>
+              <a:ext uri="{FF2B5EF4-FFF2-40B4-BE49-F238E27FC236}">
+                <a16:creationId xmlns:a16="http://schemas.microsoft.com/office/drawing/2014/main" id="{25A58CA6-44F6-F20A-3658-5C80111F4672}"/>
+              </a:ext>
+            </a:extLst>
+          </p:cNvPr>
+          <p:cNvCxnSpPr>
+            <a:cxnSpLocks/>
+            <a:stCxn id="10" idx="4"/>
+            <a:endCxn id="27" idx="6"/>
+          </p:cNvCxnSpPr>
+          <p:nvPr/>
+        </p:nvCxnSpPr>
+        <p:spPr>
+          <a:xfrm rot="5400000">
+            <a:off x="7193824" y="4341231"/>
+            <a:ext cx="621198" cy="1803594"/>
+          </a:xfrm>
+          <a:prstGeom prst="curvedConnector2">
+            <a:avLst/>
+          </a:prstGeom>
+          <a:ln w="38100">
+            <a:solidFill>
+              <a:schemeClr val="tx1"/>
+            </a:solidFill>
+            <a:tailEnd type="triangle"/>
+          </a:ln>
+        </p:spPr>
+        <p:style>
+          <a:lnRef idx="1">
+            <a:schemeClr val="accent1"/>
+          </a:lnRef>
+          <a:fillRef idx="0">
+            <a:schemeClr val="accent1"/>
+          </a:fillRef>
+          <a:effectRef idx="0">
+            <a:schemeClr val="accent1"/>
+          </a:effectRef>
+          <a:fontRef idx="minor">
+            <a:schemeClr val="tx1"/>
+          </a:fontRef>
+        </p:style>
+      </p:cxnSp>
+      <p:cxnSp>
+        <p:nvCxnSpPr>
+          <p:cNvPr id="32" name="Curved Connector 31">
+            <a:extLst>
+              <a:ext uri="{FF2B5EF4-FFF2-40B4-BE49-F238E27FC236}">
+                <a16:creationId xmlns:a16="http://schemas.microsoft.com/office/drawing/2014/main" id="{63B6301F-1DDE-57ED-3F96-240B7EA6729A}"/>
+              </a:ext>
+            </a:extLst>
+          </p:cNvPr>
+          <p:cNvCxnSpPr>
+            <a:cxnSpLocks/>
+            <a:stCxn id="27" idx="2"/>
+            <a:endCxn id="28" idx="4"/>
+          </p:cNvCxnSpPr>
+          <p:nvPr/>
+        </p:nvCxnSpPr>
+        <p:spPr>
+          <a:xfrm rot="10800000">
+            <a:off x="3795428" y="4932429"/>
+            <a:ext cx="1531677" cy="621198"/>
+          </a:xfrm>
+          <a:prstGeom prst="curvedConnector2">
+            <a:avLst/>
+          </a:prstGeom>
+          <a:ln w="38100">
+            <a:solidFill>
+              <a:schemeClr val="tx1"/>
+            </a:solidFill>
+            <a:tailEnd type="triangle"/>
+          </a:ln>
+        </p:spPr>
+        <p:style>
+          <a:lnRef idx="1">
+            <a:schemeClr val="accent1"/>
+          </a:lnRef>
+          <a:fillRef idx="0">
+            <a:schemeClr val="accent1"/>
+          </a:fillRef>
+          <a:effectRef idx="0">
+            <a:schemeClr val="accent1"/>
+          </a:effectRef>
+          <a:fontRef idx="minor">
+            <a:schemeClr val="tx1"/>
+          </a:fontRef>
+        </p:style>
+      </p:cxnSp>
+      <p:cxnSp>
+        <p:nvCxnSpPr>
+          <p:cNvPr id="36" name="Curved Connector 35">
+            <a:extLst>
+              <a:ext uri="{FF2B5EF4-FFF2-40B4-BE49-F238E27FC236}">
+                <a16:creationId xmlns:a16="http://schemas.microsoft.com/office/drawing/2014/main" id="{27138273-BF73-7C25-D3CA-858A4E7B86A0}"/>
+              </a:ext>
+            </a:extLst>
+          </p:cNvPr>
+          <p:cNvCxnSpPr>
+            <a:cxnSpLocks/>
+            <a:stCxn id="28" idx="0"/>
+            <a:endCxn id="4" idx="2"/>
+          </p:cNvCxnSpPr>
+          <p:nvPr/>
+        </p:nvCxnSpPr>
+        <p:spPr>
+          <a:xfrm rot="5400000" flipH="1" flipV="1">
+            <a:off x="4212277" y="3054530"/>
+            <a:ext cx="575394" cy="1409094"/>
+          </a:xfrm>
+          <a:prstGeom prst="curvedConnector2">
+            <a:avLst/>
+          </a:prstGeom>
+          <a:ln w="38100">
+            <a:solidFill>
+              <a:schemeClr val="tx1"/>
+            </a:solidFill>
+            <a:tailEnd type="triangle"/>
+          </a:ln>
+        </p:spPr>
+        <p:style>
+          <a:lnRef idx="1">
+            <a:schemeClr val="accent1"/>
+          </a:lnRef>
+          <a:fillRef idx="0">
+            <a:schemeClr val="accent1"/>
+          </a:fillRef>
+          <a:effectRef idx="0">
+            <a:schemeClr val="accent1"/>
+          </a:effectRef>
+          <a:fontRef idx="minor">
+            <a:schemeClr val="tx1"/>
+          </a:fontRef>
+        </p:style>
+      </p:cxnSp>
+      <p:sp>
+        <p:nvSpPr>
+          <p:cNvPr id="57" name="TextBox 56">
+            <a:extLst>
+              <a:ext uri="{FF2B5EF4-FFF2-40B4-BE49-F238E27FC236}">
+                <a16:creationId xmlns:a16="http://schemas.microsoft.com/office/drawing/2014/main" id="{D7936B5A-FE80-4CC1-8F29-C914DF5FB7D4}"/>
+              </a:ext>
+            </a:extLst>
+          </p:cNvPr>
+          <p:cNvSpPr txBox="1"/>
+          <p:nvPr/>
+        </p:nvSpPr>
+        <p:spPr>
+          <a:xfrm>
+            <a:off x="8192612" y="3014180"/>
+            <a:ext cx="928524" cy="369332"/>
+          </a:xfrm>
+          <a:prstGeom prst="rect">
+            <a:avLst/>
+          </a:prstGeom>
+          <a:noFill/>
+        </p:spPr>
+        <p:txBody>
+          <a:bodyPr wrap="none" rtlCol="0">
+            <a:spAutoFit/>
+          </a:bodyPr>
+          <a:lstStyle/>
+          <a:p>
+            <a:r>
+              <a:rPr lang="en-US" dirty="0"/>
+              <a:t>Indexed</a:t>
+            </a:r>
+          </a:p>
+        </p:txBody>
+      </p:sp>
+      <p:sp>
+        <p:nvSpPr>
+          <p:cNvPr id="58" name="TextBox 57">
+            <a:extLst>
+              <a:ext uri="{FF2B5EF4-FFF2-40B4-BE49-F238E27FC236}">
+                <a16:creationId xmlns:a16="http://schemas.microsoft.com/office/drawing/2014/main" id="{6594A313-F814-068A-686C-D64944C36D4F}"/>
+              </a:ext>
+            </a:extLst>
+          </p:cNvPr>
+          <p:cNvSpPr txBox="1"/>
+          <p:nvPr/>
+        </p:nvSpPr>
+        <p:spPr>
+          <a:xfrm>
+            <a:off x="7565714" y="1115809"/>
+            <a:ext cx="1129412" cy="369332"/>
+          </a:xfrm>
+          <a:prstGeom prst="rect">
+            <a:avLst/>
+          </a:prstGeom>
+          <a:noFill/>
+        </p:spPr>
+        <p:txBody>
+          <a:bodyPr wrap="none" rtlCol="0">
+            <a:spAutoFit/>
+          </a:bodyPr>
+          <a:lstStyle/>
+          <a:p>
+            <a:r>
+              <a:rPr lang="en-US" dirty="0"/>
+              <a:t>Relevancy</a:t>
+            </a:r>
+          </a:p>
+        </p:txBody>
+      </p:sp>
+      <p:sp>
+        <p:nvSpPr>
+          <p:cNvPr id="63" name="TextBox 62">
+            <a:extLst>
+              <a:ext uri="{FF2B5EF4-FFF2-40B4-BE49-F238E27FC236}">
+                <a16:creationId xmlns:a16="http://schemas.microsoft.com/office/drawing/2014/main" id="{11F4E5E1-67F5-5013-19C3-06F0E8A6C96B}"/>
+              </a:ext>
+            </a:extLst>
+          </p:cNvPr>
+          <p:cNvSpPr txBox="1"/>
+          <p:nvPr/>
+        </p:nvSpPr>
+        <p:spPr>
+          <a:xfrm>
+            <a:off x="3370067" y="1194249"/>
+            <a:ext cx="1111586" cy="369332"/>
+          </a:xfrm>
+          <a:prstGeom prst="rect">
+            <a:avLst/>
+          </a:prstGeom>
+          <a:noFill/>
+        </p:spPr>
+        <p:txBody>
+          <a:bodyPr wrap="none" rtlCol="0">
+            <a:spAutoFit/>
+          </a:bodyPr>
+          <a:lstStyle/>
+          <a:p>
+            <a:r>
+              <a:rPr lang="en-US" dirty="0"/>
+              <a:t>Suitability</a:t>
+            </a:r>
+          </a:p>
+        </p:txBody>
+      </p:sp>
+      <p:sp>
+        <p:nvSpPr>
+          <p:cNvPr id="64" name="TextBox 63">
+            <a:extLst>
+              <a:ext uri="{FF2B5EF4-FFF2-40B4-BE49-F238E27FC236}">
+                <a16:creationId xmlns:a16="http://schemas.microsoft.com/office/drawing/2014/main" id="{F9424093-ED63-55AF-A1CC-ADCD06983E13}"/>
+              </a:ext>
+            </a:extLst>
+          </p:cNvPr>
+          <p:cNvSpPr txBox="1"/>
+          <p:nvPr/>
+        </p:nvSpPr>
+        <p:spPr>
+          <a:xfrm>
+            <a:off x="2487336" y="3041876"/>
+            <a:ext cx="1572354" cy="369332"/>
+          </a:xfrm>
+          <a:prstGeom prst="rect">
+            <a:avLst/>
+          </a:prstGeom>
+          <a:noFill/>
+        </p:spPr>
+        <p:txBody>
+          <a:bodyPr wrap="none" rtlCol="0">
+            <a:spAutoFit/>
+          </a:bodyPr>
+          <a:lstStyle/>
+          <a:p>
+            <a:r>
+              <a:rPr lang="en-US" dirty="0"/>
+              <a:t>Enhancements</a:t>
+            </a:r>
+          </a:p>
+        </p:txBody>
+      </p:sp>
+    </p:spTree>
+    <p:extLst>
+      <p:ext uri="{BB962C8B-B14F-4D97-AF65-F5344CB8AC3E}">
+        <p14:creationId xmlns:p14="http://schemas.microsoft.com/office/powerpoint/2010/main" val="1879166117"/>
+      </p:ext>
+    </p:extLst>
+  </p:cSld>
+  <p:clrMapOvr>
+    <a:masterClrMapping/>
+  </p:clrMapOvr>
+</p:sld>
+</file>
+
 <file path=ppt/theme/theme1.xml><?xml version="1.0" encoding="utf-8"?>
 <a:theme xmlns:a="http://schemas.openxmlformats.org/drawingml/2006/main" name="Office Theme">
   <a:themeElements>
